--- a/MLxOSSA.pptx
+++ b/MLxOSSA.pptx
@@ -5,7 +5,7 @@
     <p:sldMasterId id="2147483648" r:id="rId1"/>
   </p:sldMasterIdLst>
   <p:notesMasterIdLst>
-    <p:notesMasterId r:id="rId12"/>
+    <p:notesMasterId r:id="rId13"/>
   </p:notesMasterIdLst>
   <p:sldIdLst>
     <p:sldId id="256" r:id="rId2"/>
@@ -18,6 +18,7 @@
     <p:sldId id="271" r:id="rId9"/>
     <p:sldId id="272" r:id="rId10"/>
     <p:sldId id="273" r:id="rId11"/>
+    <p:sldId id="274" r:id="rId12"/>
   </p:sldIdLst>
   <p:sldSz cx="12192000" cy="6858000"/>
   <p:notesSz cx="6858000" cy="9144000"/>
@@ -4051,19 +4052,28 @@
             <p:ph type="title"/>
           </p:nvPr>
         </p:nvSpPr>
-        <p:spPr/>
+        <p:spPr>
+          <a:xfrm>
+            <a:off x="838200" y="101174"/>
+            <a:ext cx="10515600" cy="1325563"/>
+          </a:xfrm>
+        </p:spPr>
         <p:txBody>
           <a:bodyPr/>
           <a:lstStyle/>
           <a:p>
             <a:pPr algn="ctr"/>
             <a:r>
-              <a:rPr lang="en-US" dirty="0">
-                <a:latin typeface="Roboto" panose="02000000000000000000" pitchFamily="2" charset="0"/>
-                <a:ea typeface="Roboto" panose="02000000000000000000" pitchFamily="2" charset="0"/>
-              </a:rPr>
-              <a:t>Experimental Set Up</a:t>
-            </a:r>
+              <a:rPr lang="en-US" dirty="0" err="1">
+                <a:latin typeface="Roboto" panose="02000000000000000000" pitchFamily="2" charset="0"/>
+                <a:ea typeface="Roboto" panose="02000000000000000000" pitchFamily="2" charset="0"/>
+              </a:rPr>
+              <a:t>DecisionTreeClassifier</a:t>
+            </a:r>
+            <a:endParaRPr lang="en-US" dirty="0">
+              <a:latin typeface="Roboto" panose="02000000000000000000" pitchFamily="2" charset="0"/>
+              <a:ea typeface="Roboto" panose="02000000000000000000" pitchFamily="2" charset="0"/>
+            </a:endParaRPr>
           </a:p>
         </p:txBody>
       </p:sp>
@@ -4085,62 +4095,94 @@
         </p:nvSpPr>
         <p:spPr>
           <a:xfrm>
-            <a:off x="838200" y="1825625"/>
+            <a:off x="687371" y="1850730"/>
             <a:ext cx="10515600" cy="4351338"/>
           </a:xfrm>
         </p:spPr>
         <p:txBody>
-          <a:bodyPr/>
-          <a:lstStyle/>
-          <a:p>
-            <a:r>
-              <a:rPr lang="en-US" dirty="0" err="1">
-                <a:latin typeface="Roboto" panose="02000000000000000000" pitchFamily="2" charset="0"/>
-                <a:ea typeface="Roboto" panose="02000000000000000000" pitchFamily="2" charset="0"/>
-              </a:rPr>
-              <a:t>DecisionTreeClassifier</a:t>
-            </a:r>
+          <a:bodyPr>
+            <a:normAutofit/>
+          </a:bodyPr>
+          <a:lstStyle/>
+          <a:p>
             <a:r>
               <a:rPr lang="en-US" dirty="0">
                 <a:latin typeface="Roboto" panose="02000000000000000000" pitchFamily="2" charset="0"/>
                 <a:ea typeface="Roboto" panose="02000000000000000000" pitchFamily="2" charset="0"/>
               </a:rPr>
-              <a:t>: the addition of irrelevant features does not influence the result.</a:t>
-            </a:r>
-          </a:p>
-          <a:p>
-            <a:r>
-              <a:rPr lang="en-US" dirty="0">
-                <a:latin typeface="Roboto" panose="02000000000000000000" pitchFamily="2" charset="0"/>
-                <a:ea typeface="Roboto" panose="02000000000000000000" pitchFamily="2" charset="0"/>
-              </a:rPr>
-              <a:t>33% of the dataset is used as test-set, while the best combination of parameters is decided with a 3-fold cross validation in the train-set (66% of the dataset).</a:t>
-            </a:r>
-          </a:p>
-          <a:p>
-            <a:r>
-              <a:rPr lang="en-US" dirty="0">
-                <a:latin typeface="Roboto" panose="02000000000000000000" pitchFamily="2" charset="0"/>
-                <a:ea typeface="Roboto" panose="02000000000000000000" pitchFamily="2" charset="0"/>
-              </a:rPr>
-              <a:t>The objective function to be maximized is the f1-score, to cope imbalance between benign and malicious packages.  </a:t>
-            </a:r>
-          </a:p>
-          <a:p>
-            <a:r>
-              <a:rPr lang="en-US" sz="2800" b="0" i="0" u="none" strike="noStrike" cap="none" dirty="0">
-                <a:latin typeface="Roboto" panose="02000000000000000000" pitchFamily="2" charset="0"/>
-                <a:ea typeface="Roboto" panose="02000000000000000000" pitchFamily="2" charset="0"/>
-                <a:sym typeface="Arial"/>
-              </a:rPr>
-              <a:t>The number of iterations in the Bayesian optimization is set to 25. </a:t>
-            </a:r>
+              <a:t>The addition of irrelevant features does not influence the result.</a:t>
+            </a:r>
+          </a:p>
+          <a:p>
+            <a:pPr marL="0" indent="0">
+              <a:buNone/>
+            </a:pPr>
             <a:endParaRPr lang="en-US" dirty="0">
               <a:latin typeface="Roboto" panose="02000000000000000000" pitchFamily="2" charset="0"/>
               <a:ea typeface="Roboto" panose="02000000000000000000" pitchFamily="2" charset="0"/>
             </a:endParaRPr>
           </a:p>
           <a:p>
+            <a:r>
+              <a:rPr lang="en-US" dirty="0">
+                <a:latin typeface="Roboto" panose="02000000000000000000" pitchFamily="2" charset="0"/>
+                <a:ea typeface="Roboto" panose="02000000000000000000" pitchFamily="2" charset="0"/>
+              </a:rPr>
+              <a:t> It is not sensitive to feature scaling.</a:t>
+            </a:r>
+          </a:p>
+          <a:p>
+            <a:pPr marL="0" indent="0">
+              <a:buNone/>
+            </a:pPr>
+            <a:endParaRPr lang="en-US" dirty="0">
+              <a:latin typeface="Roboto" panose="02000000000000000000" pitchFamily="2" charset="0"/>
+              <a:ea typeface="Roboto" panose="02000000000000000000" pitchFamily="2" charset="0"/>
+            </a:endParaRPr>
+          </a:p>
+          <a:p>
+            <a:r>
+              <a:rPr lang="en-US" b="0" i="0" dirty="0">
+                <a:solidFill>
+                  <a:srgbClr val="212529"/>
+                </a:solidFill>
+                <a:effectLst/>
+                <a:latin typeface="-apple-system"/>
+              </a:rPr>
+              <a:t>It returns the importance of a feature in affecting </a:t>
+            </a:r>
+            <a:r>
+              <a:rPr lang="en-US" b="0" i="0" dirty="0">
+                <a:solidFill>
+                  <a:srgbClr val="232629"/>
+                </a:solidFill>
+                <a:effectLst/>
+                <a:latin typeface="-apple-system"/>
+              </a:rPr>
+              <a:t>the target variable</a:t>
+            </a:r>
+            <a:r>
+              <a:rPr lang="en-US" b="0" i="0" dirty="0">
+                <a:solidFill>
+                  <a:srgbClr val="212529"/>
+                </a:solidFill>
+                <a:effectLst/>
+                <a:latin typeface="-apple-system"/>
+              </a:rPr>
+              <a:t>. It is also known as the Gini importance.</a:t>
+            </a:r>
+            <a:endParaRPr lang="en-US" dirty="0">
+              <a:latin typeface="Roboto" panose="02000000000000000000" pitchFamily="2" charset="0"/>
+              <a:ea typeface="Roboto" panose="02000000000000000000" pitchFamily="2" charset="0"/>
+            </a:endParaRPr>
+          </a:p>
+          <a:p>
+            <a:endParaRPr lang="en-US" dirty="0">
+              <a:latin typeface="Roboto" panose="02000000000000000000" pitchFamily="2" charset="0"/>
+              <a:ea typeface="Roboto" panose="02000000000000000000" pitchFamily="2" charset="0"/>
+            </a:endParaRPr>
+          </a:p>
+          <a:p>
             <a:pPr marL="0" indent="0">
               <a:buNone/>
             </a:pPr>
@@ -4155,6 +4197,135 @@
     <p:extLst>
       <p:ext uri="{BB962C8B-B14F-4D97-AF65-F5344CB8AC3E}">
         <p14:creationId xmlns:p14="http://schemas.microsoft.com/office/powerpoint/2010/main" val="664401647"/>
+      </p:ext>
+    </p:extLst>
+  </p:cSld>
+  <p:clrMapOvr>
+    <a:masterClrMapping/>
+  </p:clrMapOvr>
+</p:sld>
+</file>
+
+<file path=ppt/slides/slide11.xml><?xml version="1.0" encoding="utf-8"?>
+<p:sld xmlns:a="http://schemas.openxmlformats.org/drawingml/2006/main" xmlns:r="http://schemas.openxmlformats.org/officeDocument/2006/relationships" xmlns:p="http://schemas.openxmlformats.org/presentationml/2006/main">
+  <p:cSld>
+    <p:spTree>
+      <p:nvGrpSpPr>
+        <p:cNvPr id="1" name=""/>
+        <p:cNvGrpSpPr/>
+        <p:nvPr/>
+      </p:nvGrpSpPr>
+      <p:grpSpPr>
+        <a:xfrm>
+          <a:off x="0" y="0"/>
+          <a:ext cx="0" cy="0"/>
+          <a:chOff x="0" y="0"/>
+          <a:chExt cx="0" cy="0"/>
+        </a:xfrm>
+      </p:grpSpPr>
+      <p:sp>
+        <p:nvSpPr>
+          <p:cNvPr id="2" name="Title 1">
+            <a:extLst>
+              <a:ext uri="{FF2B5EF4-FFF2-40B4-BE49-F238E27FC236}">
+                <a16:creationId xmlns:a16="http://schemas.microsoft.com/office/drawing/2014/main" id="{02F14F25-0B63-4971-BD4A-08AC69CC33B7}"/>
+              </a:ext>
+            </a:extLst>
+          </p:cNvPr>
+          <p:cNvSpPr>
+            <a:spLocks noGrp="1"/>
+          </p:cNvSpPr>
+          <p:nvPr>
+            <p:ph type="title"/>
+          </p:nvPr>
+        </p:nvSpPr>
+        <p:spPr/>
+        <p:txBody>
+          <a:bodyPr/>
+          <a:lstStyle/>
+          <a:p>
+            <a:pPr algn="ctr"/>
+            <a:r>
+              <a:rPr lang="en-US" dirty="0">
+                <a:latin typeface="Roboto" panose="02000000000000000000" pitchFamily="2" charset="0"/>
+                <a:ea typeface="Roboto" panose="02000000000000000000" pitchFamily="2" charset="0"/>
+              </a:rPr>
+              <a:t>Experiment Set Up</a:t>
+            </a:r>
+            <a:endParaRPr lang="en-US" dirty="0"/>
+          </a:p>
+        </p:txBody>
+      </p:sp>
+      <p:sp>
+        <p:nvSpPr>
+          <p:cNvPr id="3" name="Content Placeholder 2">
+            <a:extLst>
+              <a:ext uri="{FF2B5EF4-FFF2-40B4-BE49-F238E27FC236}">
+                <a16:creationId xmlns:a16="http://schemas.microsoft.com/office/drawing/2014/main" id="{0B84A1E2-3F88-486E-B767-44FD3C648273}"/>
+              </a:ext>
+            </a:extLst>
+          </p:cNvPr>
+          <p:cNvSpPr>
+            <a:spLocks noGrp="1"/>
+          </p:cNvSpPr>
+          <p:nvPr>
+            <p:ph idx="1"/>
+          </p:nvPr>
+        </p:nvSpPr>
+        <p:spPr/>
+        <p:txBody>
+          <a:bodyPr/>
+          <a:lstStyle/>
+          <a:p>
+            <a:r>
+              <a:rPr lang="en-US" dirty="0">
+                <a:latin typeface="Roboto" panose="02000000000000000000" pitchFamily="2" charset="0"/>
+                <a:ea typeface="Roboto" panose="02000000000000000000" pitchFamily="2" charset="0"/>
+              </a:rPr>
+              <a:t>33% of the dataset is used as test-set, while the best combination of parameters is decided with a 3-fold cross validation in the train-set (66% of the dataset).</a:t>
+            </a:r>
+          </a:p>
+          <a:p>
+            <a:r>
+              <a:rPr lang="en-US" dirty="0">
+                <a:latin typeface="Roboto" panose="02000000000000000000" pitchFamily="2" charset="0"/>
+                <a:ea typeface="Roboto" panose="02000000000000000000" pitchFamily="2" charset="0"/>
+              </a:rPr>
+              <a:t> We implement a stratify sampling procedure, to maintain the ratio between malicious and benign packages. </a:t>
+            </a:r>
+          </a:p>
+          <a:p>
+            <a:r>
+              <a:rPr lang="en-US" dirty="0">
+                <a:latin typeface="Roboto" panose="02000000000000000000" pitchFamily="2" charset="0"/>
+                <a:ea typeface="Roboto" panose="02000000000000000000" pitchFamily="2" charset="0"/>
+              </a:rPr>
+              <a:t>The objective function to be maximized is the f1-score, to cope imbalance between benign and malicious packages.  </a:t>
+            </a:r>
+          </a:p>
+          <a:p>
+            <a:r>
+              <a:rPr lang="en-US" sz="2800" b="0" i="0" u="none" strike="noStrike" cap="none" dirty="0">
+                <a:latin typeface="Roboto" panose="02000000000000000000" pitchFamily="2" charset="0"/>
+                <a:ea typeface="Roboto" panose="02000000000000000000" pitchFamily="2" charset="0"/>
+                <a:sym typeface="Arial"/>
+              </a:rPr>
+              <a:t>The number of iterations in the Bayesian optimization is set to 25. </a:t>
+            </a:r>
+            <a:endParaRPr lang="en-US" dirty="0">
+              <a:latin typeface="Roboto" panose="02000000000000000000" pitchFamily="2" charset="0"/>
+              <a:ea typeface="Roboto" panose="02000000000000000000" pitchFamily="2" charset="0"/>
+            </a:endParaRPr>
+          </a:p>
+          <a:p>
+            <a:endParaRPr lang="en-US" dirty="0"/>
+          </a:p>
+        </p:txBody>
+      </p:sp>
+    </p:spTree>
+    <p:extLst>
+      <p:ext uri="{BB962C8B-B14F-4D97-AF65-F5344CB8AC3E}">
+        <p14:creationId xmlns:p14="http://schemas.microsoft.com/office/powerpoint/2010/main" val="477778631"/>
       </p:ext>
     </p:extLst>
   </p:cSld>
@@ -9898,7 +10069,7 @@
                 <a:latin typeface="Roboto" panose="02000000000000000000" pitchFamily="2" charset="0"/>
                 <a:ea typeface="Roboto" panose="02000000000000000000" pitchFamily="2" charset="0"/>
               </a:rPr>
-              <a:t>Features:</a:t>
+              <a:t>18 Features:</a:t>
             </a:r>
           </a:p>
         </p:txBody>
@@ -11512,7 +11683,7 @@
         <p:spPr>
           <a:xfrm>
             <a:off x="281932" y="2420890"/>
-            <a:ext cx="3677610" cy="369332"/>
+            <a:ext cx="1829347" cy="369332"/>
           </a:xfrm>
           <a:prstGeom prst="rect">
             <a:avLst/>
@@ -11535,7 +11706,7 @@
                 <a:latin typeface="Roboto" panose="02000000000000000000" pitchFamily="2" charset="0"/>
                 <a:ea typeface="Roboto" panose="02000000000000000000" pitchFamily="2" charset="0"/>
               </a:rPr>
-              <a:t>Number of files, number of words.</a:t>
+              <a:t>Number of files.</a:t>
             </a:r>
           </a:p>
         </p:txBody>

--- a/MLxOSSA.pptx
+++ b/MLxOSSA.pptx
@@ -4239,7 +4239,12 @@
             <p:ph type="title"/>
           </p:nvPr>
         </p:nvSpPr>
-        <p:spPr/>
+        <p:spPr>
+          <a:xfrm>
+            <a:off x="838200" y="60325"/>
+            <a:ext cx="10515600" cy="1325563"/>
+          </a:xfrm>
+        </p:spPr>
         <p:txBody>
           <a:bodyPr/>
           <a:lstStyle/>
@@ -4272,9 +4277,16 @@
             <p:ph idx="1"/>
           </p:nvPr>
         </p:nvSpPr>
-        <p:spPr/>
-        <p:txBody>
-          <a:bodyPr/>
+        <p:spPr>
+          <a:xfrm>
+            <a:off x="838200" y="1385888"/>
+            <a:ext cx="10515600" cy="4791075"/>
+          </a:xfrm>
+        </p:spPr>
+        <p:txBody>
+          <a:bodyPr>
+            <a:normAutofit/>
+          </a:bodyPr>
           <a:lstStyle/>
           <a:p>
             <a:r>
@@ -4282,7 +4294,7 @@
                 <a:latin typeface="Roboto" panose="02000000000000000000" pitchFamily="2" charset="0"/>
                 <a:ea typeface="Roboto" panose="02000000000000000000" pitchFamily="2" charset="0"/>
               </a:rPr>
-              <a:t>33% of the dataset is used as test-set, while the best combination of parameters is decided with a 3-fold cross validation in the train-set (66% of the dataset).</a:t>
+              <a:t>20% of the dataset is used as test-set, while the best combination of parameters is decided with a 3-fold cross validation in the train-set (80% of the dataset).</a:t>
             </a:r>
           </a:p>
           <a:p>
@@ -4300,7 +4312,35 @@
                 <a:latin typeface="Roboto" panose="02000000000000000000" pitchFamily="2" charset="0"/>
                 <a:ea typeface="Roboto" panose="02000000000000000000" pitchFamily="2" charset="0"/>
               </a:rPr>
-              <a:t>The objective function to be maximized is the f1-score, to cope imbalance between benign and malicious packages.  </a:t>
+              <a:t>The objective function to be maximized is the recall-score,</a:t>
+            </a:r>
+            <a:r>
+              <a:rPr lang="en-US" dirty="0">
+                <a:solidFill>
+                  <a:srgbClr val="212529"/>
+                </a:solidFill>
+                <a:latin typeface="Roboto" panose="02000000000000000000" pitchFamily="2" charset="0"/>
+                <a:ea typeface="Roboto" panose="02000000000000000000" pitchFamily="2" charset="0"/>
+              </a:rPr>
+              <a:t> a</a:t>
+            </a:r>
+            <a:r>
+              <a:rPr lang="en-US" b="0" i="0" dirty="0">
+                <a:solidFill>
+                  <a:srgbClr val="212529"/>
+                </a:solidFill>
+                <a:effectLst/>
+                <a:latin typeface="Roboto" panose="02000000000000000000" pitchFamily="2" charset="0"/>
+                <a:ea typeface="Roboto" panose="02000000000000000000" pitchFamily="2" charset="0"/>
+              </a:rPr>
+              <a:t>bility of the classifier to find all malicious packages.</a:t>
+            </a:r>
+            <a:r>
+              <a:rPr lang="en-US" dirty="0">
+                <a:latin typeface="Roboto" panose="02000000000000000000" pitchFamily="2" charset="0"/>
+                <a:ea typeface="Roboto" panose="02000000000000000000" pitchFamily="2" charset="0"/>
+              </a:rPr>
+              <a:t> </a:t>
             </a:r>
           </a:p>
           <a:p>
@@ -4310,7 +4350,7 @@
                 <a:ea typeface="Roboto" panose="02000000000000000000" pitchFamily="2" charset="0"/>
                 <a:sym typeface="Arial"/>
               </a:rPr>
-              <a:t>The number of iterations in the Bayesian optimization is set to 25. </a:t>
+              <a:t>The number of iterations in the Bayesian optimization is set to 20, with 5 initial random exploration.  </a:t>
             </a:r>
             <a:endParaRPr lang="en-US" dirty="0">
               <a:latin typeface="Roboto" panose="02000000000000000000" pitchFamily="2" charset="0"/>
@@ -4378,7 +4418,7 @@
           <a:lstStyle/>
           <a:p>
             <a:r>
-              <a:rPr lang="it-IT" dirty="0">
+              <a:rPr lang="en-US">
                 <a:solidFill>
                   <a:schemeClr val="tx1">
                     <a:lumMod val="65000"/>
@@ -4388,35 +4428,9 @@
                 <a:latin typeface="Roboto" panose="02000000000000000000" pitchFamily="2" charset="0"/>
                 <a:ea typeface="Roboto" panose="02000000000000000000" pitchFamily="2" charset="0"/>
               </a:rPr>
-              <a:t>Packages </a:t>
-            </a:r>
-            <a:r>
-              <a:rPr lang="it-IT" dirty="0" err="1">
-                <a:solidFill>
-                  <a:schemeClr val="tx1">
-                    <a:lumMod val="65000"/>
-                    <a:lumOff val="35000"/>
-                  </a:schemeClr>
-                </a:solidFill>
-                <a:latin typeface="Roboto" panose="02000000000000000000" pitchFamily="2" charset="0"/>
-                <a:ea typeface="Roboto" panose="02000000000000000000" pitchFamily="2" charset="0"/>
-              </a:rPr>
-              <a:t>collection</a:t>
-            </a:r>
-            <a:r>
-              <a:rPr lang="it-IT" dirty="0">
-                <a:solidFill>
-                  <a:schemeClr val="tx1">
-                    <a:lumMod val="65000"/>
-                    <a:lumOff val="35000"/>
-                  </a:schemeClr>
-                </a:solidFill>
-                <a:latin typeface="Roboto" panose="02000000000000000000" pitchFamily="2" charset="0"/>
-                <a:ea typeface="Roboto" panose="02000000000000000000" pitchFamily="2" charset="0"/>
-              </a:rPr>
-              <a:t> </a:t>
-            </a:r>
-            <a:endParaRPr dirty="0">
+              <a:t>Packages collection </a:t>
+            </a:r>
+            <a:endParaRPr lang="en-US" dirty="0">
               <a:solidFill>
                 <a:schemeClr val="tx1">
                   <a:lumMod val="65000"/>
@@ -4455,7 +4469,7 @@
           <a:lstStyle/>
           <a:p>
             <a:r>
-              <a:rPr lang="it-IT" sz="1984" dirty="0">
+              <a:rPr lang="en-US" sz="1984">
                 <a:solidFill>
                   <a:schemeClr val="tx1">
                     <a:lumMod val="65000"/>
@@ -4468,7 +4482,7 @@
               </a:rPr>
               <a:t> Dataset split </a:t>
             </a:r>
-            <a:endParaRPr dirty="0">
+            <a:endParaRPr lang="en-US" dirty="0">
               <a:solidFill>
                 <a:schemeClr val="tx1">
                   <a:lumMod val="65000"/>
@@ -4507,7 +4521,7 @@
           <a:lstStyle/>
           <a:p>
             <a:r>
-              <a:rPr lang="it-IT" sz="1984" dirty="0" err="1">
+              <a:rPr lang="en-US" sz="1984">
                 <a:solidFill>
                   <a:schemeClr val="tx1">
                     <a:lumMod val="65000"/>
@@ -4518,10 +4532,48 @@
                 <a:ea typeface="Roboto" panose="02000000000000000000" pitchFamily="2" charset="0"/>
                 <a:sym typeface="Arial"/>
               </a:rPr>
-              <a:t>Prior</a:t>
-            </a:r>
-            <a:r>
-              <a:rPr lang="it-IT" sz="1984" dirty="0">
+              <a:t>Prior Knowledge</a:t>
+            </a:r>
+            <a:endParaRPr lang="en-US" dirty="0">
+              <a:solidFill>
+                <a:schemeClr val="tx1">
+                  <a:lumMod val="65000"/>
+                  <a:lumOff val="35000"/>
+                </a:schemeClr>
+              </a:solidFill>
+              <a:latin typeface="Roboto" panose="02000000000000000000" pitchFamily="2" charset="0"/>
+              <a:ea typeface="Roboto" panose="02000000000000000000" pitchFamily="2" charset="0"/>
+            </a:endParaRPr>
+          </a:p>
+        </p:txBody>
+      </p:sp>
+      <p:sp>
+        <p:nvSpPr>
+          <p:cNvPr id="217" name="Google Shape;217;p9"/>
+          <p:cNvSpPr txBox="1"/>
+          <p:nvPr/>
+        </p:nvSpPr>
+        <p:spPr>
+          <a:xfrm>
+            <a:off x="7980750" y="4271280"/>
+            <a:ext cx="1408914" cy="702973"/>
+          </a:xfrm>
+          <a:prstGeom prst="rect">
+            <a:avLst/>
+          </a:prstGeom>
+          <a:noFill/>
+          <a:ln>
+            <a:noFill/>
+          </a:ln>
+        </p:spPr>
+        <p:txBody>
+          <a:bodyPr spcFirstLastPara="1" wrap="square" lIns="91425" tIns="45700" rIns="91425" bIns="45700" anchor="t" anchorCtr="0">
+            <a:spAutoFit/>
+          </a:bodyPr>
+          <a:lstStyle/>
+          <a:p>
+            <a:r>
+              <a:rPr lang="en-US" sz="1984">
                 <a:solidFill>
                   <a:schemeClr val="tx1">
                     <a:lumMod val="65000"/>
@@ -4532,9 +4584,9 @@
                 <a:ea typeface="Roboto" panose="02000000000000000000" pitchFamily="2" charset="0"/>
                 <a:sym typeface="Arial"/>
               </a:rPr>
-              <a:t> Knowledge</a:t>
-            </a:r>
-            <a:endParaRPr dirty="0">
+              <a:t>Train data</a:t>
+            </a:r>
+            <a:endParaRPr lang="en-US" dirty="0">
               <a:solidFill>
                 <a:schemeClr val="tx1">
                   <a:lumMod val="65000"/>
@@ -4545,35 +4597,9 @@
               <a:ea typeface="Roboto" panose="02000000000000000000" pitchFamily="2" charset="0"/>
             </a:endParaRPr>
           </a:p>
-        </p:txBody>
-      </p:sp>
-      <p:sp>
-        <p:nvSpPr>
-          <p:cNvPr id="217" name="Google Shape;217;p9"/>
-          <p:cNvSpPr txBox="1"/>
-          <p:nvPr/>
-        </p:nvSpPr>
-        <p:spPr>
-          <a:xfrm>
-            <a:off x="7980750" y="4271280"/>
-            <a:ext cx="1408914" cy="702973"/>
-          </a:xfrm>
-          <a:prstGeom prst="rect">
-            <a:avLst/>
-          </a:prstGeom>
-          <a:noFill/>
-          <a:ln>
-            <a:noFill/>
-          </a:ln>
-        </p:spPr>
-        <p:txBody>
-          <a:bodyPr spcFirstLastPara="1" wrap="square" lIns="91425" tIns="45700" rIns="91425" bIns="45700" anchor="t" anchorCtr="0">
-            <a:spAutoFit/>
-          </a:bodyPr>
-          <a:lstStyle/>
-          <a:p>
-            <a:r>
-              <a:rPr lang="it-IT" sz="1984" dirty="0">
+          <a:p>
+            <a:r>
+              <a:rPr lang="en-US" sz="1984">
                 <a:solidFill>
                   <a:schemeClr val="tx1">
                     <a:lumMod val="65000"/>
@@ -4584,9 +4610,9 @@
                 <a:ea typeface="Roboto" panose="02000000000000000000" pitchFamily="2" charset="0"/>
                 <a:sym typeface="Arial"/>
               </a:rPr>
-              <a:t>Train data</a:t>
-            </a:r>
-            <a:endParaRPr dirty="0">
+              <a:t>labelled</a:t>
+            </a:r>
+            <a:endParaRPr lang="en-US" dirty="0">
               <a:solidFill>
                 <a:schemeClr val="tx1">
                   <a:lumMod val="65000"/>
@@ -4597,9 +4623,35 @@
               <a:ea typeface="Roboto" panose="02000000000000000000" pitchFamily="2" charset="0"/>
             </a:endParaRPr>
           </a:p>
-          <a:p>
-            <a:r>
-              <a:rPr lang="it-IT" sz="1984" dirty="0" err="1">
+        </p:txBody>
+      </p:sp>
+      <p:sp>
+        <p:nvSpPr>
+          <p:cNvPr id="219" name="Google Shape;219;p9"/>
+          <p:cNvSpPr txBox="1"/>
+          <p:nvPr/>
+        </p:nvSpPr>
+        <p:spPr>
+          <a:xfrm>
+            <a:off x="6427774" y="5967443"/>
+            <a:ext cx="3008827" cy="397633"/>
+          </a:xfrm>
+          <a:prstGeom prst="rect">
+            <a:avLst/>
+          </a:prstGeom>
+          <a:noFill/>
+          <a:ln>
+            <a:noFill/>
+          </a:ln>
+        </p:spPr>
+        <p:txBody>
+          <a:bodyPr spcFirstLastPara="1" wrap="square" lIns="91425" tIns="45700" rIns="91425" bIns="45700" anchor="t" anchorCtr="0">
+            <a:spAutoFit/>
+          </a:bodyPr>
+          <a:lstStyle/>
+          <a:p>
+            <a:r>
+              <a:rPr lang="en-US" sz="1984">
                 <a:solidFill>
                   <a:schemeClr val="tx1">
                     <a:lumMod val="65000"/>
@@ -4610,9 +4662,9 @@
                 <a:ea typeface="Roboto" panose="02000000000000000000" pitchFamily="2" charset="0"/>
                 <a:sym typeface="Arial"/>
               </a:rPr>
-              <a:t>labelled</a:t>
-            </a:r>
-            <a:endParaRPr dirty="0">
+              <a:t>Parameters space</a:t>
+            </a:r>
+            <a:endParaRPr lang="en-US" dirty="0">
               <a:solidFill>
                 <a:schemeClr val="tx1">
                   <a:lumMod val="65000"/>
@@ -4627,14 +4679,14 @@
       </p:sp>
       <p:sp>
         <p:nvSpPr>
-          <p:cNvPr id="219" name="Google Shape;219;p9"/>
+          <p:cNvPr id="220" name="Google Shape;220;p9"/>
           <p:cNvSpPr txBox="1"/>
           <p:nvPr/>
         </p:nvSpPr>
         <p:spPr>
           <a:xfrm>
-            <a:off x="6427774" y="5967443"/>
-            <a:ext cx="3008827" cy="397633"/>
+            <a:off x="5850138" y="3856869"/>
+            <a:ext cx="2061603" cy="397633"/>
           </a:xfrm>
           <a:prstGeom prst="rect">
             <a:avLst/>
@@ -4651,7 +4703,7 @@
           <a:lstStyle/>
           <a:p>
             <a:r>
-              <a:rPr lang="it-IT" sz="1984" dirty="0" err="1">
+              <a:rPr lang="en-US" sz="1984">
                 <a:solidFill>
                   <a:schemeClr val="tx1">
                     <a:lumMod val="65000"/>
@@ -4662,10 +4714,48 @@
                 <a:ea typeface="Roboto" panose="02000000000000000000" pitchFamily="2" charset="0"/>
                 <a:sym typeface="Arial"/>
               </a:rPr>
-              <a:t>Parameters</a:t>
-            </a:r>
-            <a:r>
-              <a:rPr lang="it-IT" sz="1984" dirty="0">
+              <a:t>Bayes Inference </a:t>
+            </a:r>
+            <a:endParaRPr lang="en-US" dirty="0">
+              <a:solidFill>
+                <a:schemeClr val="tx1">
+                  <a:lumMod val="65000"/>
+                  <a:lumOff val="35000"/>
+                </a:schemeClr>
+              </a:solidFill>
+              <a:latin typeface="Roboto" panose="02000000000000000000" pitchFamily="2" charset="0"/>
+              <a:ea typeface="Roboto" panose="02000000000000000000" pitchFamily="2" charset="0"/>
+            </a:endParaRPr>
+          </a:p>
+        </p:txBody>
+      </p:sp>
+      <p:sp>
+        <p:nvSpPr>
+          <p:cNvPr id="221" name="Google Shape;221;p9"/>
+          <p:cNvSpPr txBox="1"/>
+          <p:nvPr/>
+        </p:nvSpPr>
+        <p:spPr>
+          <a:xfrm>
+            <a:off x="3961558" y="4365097"/>
+            <a:ext cx="1266904" cy="397673"/>
+          </a:xfrm>
+          <a:prstGeom prst="rect">
+            <a:avLst/>
+          </a:prstGeom>
+          <a:noFill/>
+          <a:ln>
+            <a:noFill/>
+          </a:ln>
+        </p:spPr>
+        <p:txBody>
+          <a:bodyPr spcFirstLastPara="1" wrap="square" lIns="91425" tIns="45700" rIns="91425" bIns="45700" anchor="t" anchorCtr="0">
+            <a:spAutoFit/>
+          </a:bodyPr>
+          <a:lstStyle/>
+          <a:p>
+            <a:r>
+              <a:rPr lang="en-US" sz="1984">
                 <a:solidFill>
                   <a:schemeClr val="tx1">
                     <a:lumMod val="65000"/>
@@ -4676,10 +4766,48 @@
                 <a:ea typeface="Roboto" panose="02000000000000000000" pitchFamily="2" charset="0"/>
                 <a:sym typeface="Arial"/>
               </a:rPr>
-              <a:t> </a:t>
-            </a:r>
-            <a:r>
-              <a:rPr lang="it-IT" sz="1984" dirty="0" err="1">
+              <a:t>Posterior </a:t>
+            </a:r>
+            <a:endParaRPr lang="en-US" dirty="0">
+              <a:solidFill>
+                <a:schemeClr val="tx1">
+                  <a:lumMod val="65000"/>
+                  <a:lumOff val="35000"/>
+                </a:schemeClr>
+              </a:solidFill>
+              <a:latin typeface="Roboto" panose="02000000000000000000" pitchFamily="2" charset="0"/>
+              <a:ea typeface="Roboto" panose="02000000000000000000" pitchFamily="2" charset="0"/>
+            </a:endParaRPr>
+          </a:p>
+        </p:txBody>
+      </p:sp>
+      <p:sp>
+        <p:nvSpPr>
+          <p:cNvPr id="222" name="Google Shape;222;p9"/>
+          <p:cNvSpPr txBox="1"/>
+          <p:nvPr/>
+        </p:nvSpPr>
+        <p:spPr>
+          <a:xfrm>
+            <a:off x="4043932" y="5081041"/>
+            <a:ext cx="2081724" cy="702973"/>
+          </a:xfrm>
+          <a:prstGeom prst="rect">
+            <a:avLst/>
+          </a:prstGeom>
+          <a:noFill/>
+          <a:ln>
+            <a:noFill/>
+          </a:ln>
+        </p:spPr>
+        <p:txBody>
+          <a:bodyPr spcFirstLastPara="1" wrap="square" lIns="91425" tIns="45700" rIns="91425" bIns="45700" anchor="t" anchorCtr="0">
+            <a:spAutoFit/>
+          </a:bodyPr>
+          <a:lstStyle/>
+          <a:p>
+            <a:r>
+              <a:rPr lang="en-US" sz="1984">
                 <a:solidFill>
                   <a:schemeClr val="tx1">
                     <a:lumMod val="65000"/>
@@ -4690,9 +4818,9 @@
                 <a:ea typeface="Roboto" panose="02000000000000000000" pitchFamily="2" charset="0"/>
                 <a:sym typeface="Arial"/>
               </a:rPr>
-              <a:t>space</a:t>
-            </a:r>
-            <a:endParaRPr dirty="0">
+              <a:t>Objective function</a:t>
+            </a:r>
+            <a:endParaRPr lang="en-US" dirty="0">
               <a:solidFill>
                 <a:schemeClr val="tx1">
                   <a:lumMod val="65000"/>
@@ -4707,14 +4835,14 @@
       </p:sp>
       <p:sp>
         <p:nvSpPr>
-          <p:cNvPr id="220" name="Google Shape;220;p9"/>
+          <p:cNvPr id="223" name="Google Shape;223;p9"/>
           <p:cNvSpPr txBox="1"/>
           <p:nvPr/>
         </p:nvSpPr>
         <p:spPr>
           <a:xfrm>
-            <a:off x="5850138" y="3856869"/>
-            <a:ext cx="2061603" cy="397633"/>
+            <a:off x="1016794" y="3700289"/>
+            <a:ext cx="2841184" cy="702973"/>
           </a:xfrm>
           <a:prstGeom prst="rect">
             <a:avLst/>
@@ -4731,7 +4859,7 @@
           <a:lstStyle/>
           <a:p>
             <a:r>
-              <a:rPr lang="it-IT" sz="1984" dirty="0" err="1">
+              <a:rPr lang="en-US" sz="1984">
                 <a:solidFill>
                   <a:schemeClr val="tx1">
                     <a:lumMod val="65000"/>
@@ -4742,10 +4870,48 @@
                 <a:ea typeface="Roboto" panose="02000000000000000000" pitchFamily="2" charset="0"/>
                 <a:sym typeface="Arial"/>
               </a:rPr>
-              <a:t>Bayes</a:t>
-            </a:r>
-            <a:r>
-              <a:rPr lang="it-IT" sz="1984" dirty="0">
+              <a:t>Decision Rule/Best set of parametrs</a:t>
+            </a:r>
+            <a:endParaRPr lang="en-US" dirty="0">
+              <a:solidFill>
+                <a:schemeClr val="tx1">
+                  <a:lumMod val="65000"/>
+                  <a:lumOff val="35000"/>
+                </a:schemeClr>
+              </a:solidFill>
+              <a:latin typeface="Roboto" panose="02000000000000000000" pitchFamily="2" charset="0"/>
+              <a:ea typeface="Roboto" panose="02000000000000000000" pitchFamily="2" charset="0"/>
+            </a:endParaRPr>
+          </a:p>
+        </p:txBody>
+      </p:sp>
+      <p:sp>
+        <p:nvSpPr>
+          <p:cNvPr id="224" name="Google Shape;224;p9"/>
+          <p:cNvSpPr txBox="1"/>
+          <p:nvPr/>
+        </p:nvSpPr>
+        <p:spPr>
+          <a:xfrm>
+            <a:off x="2056925" y="1147044"/>
+            <a:ext cx="5858601" cy="397633"/>
+          </a:xfrm>
+          <a:prstGeom prst="rect">
+            <a:avLst/>
+          </a:prstGeom>
+          <a:noFill/>
+          <a:ln>
+            <a:noFill/>
+          </a:ln>
+        </p:spPr>
+        <p:txBody>
+          <a:bodyPr spcFirstLastPara="1" wrap="square" lIns="91425" tIns="45700" rIns="91425" bIns="45700" anchor="t" anchorCtr="0">
+            <a:spAutoFit/>
+          </a:bodyPr>
+          <a:lstStyle/>
+          <a:p>
+            <a:r>
+              <a:rPr lang="en-US" sz="1984">
                 <a:solidFill>
                   <a:schemeClr val="tx1">
                     <a:lumMod val="65000"/>
@@ -4756,413 +4922,9 @@
                 <a:ea typeface="Roboto" panose="02000000000000000000" pitchFamily="2" charset="0"/>
                 <a:sym typeface="Arial"/>
               </a:rPr>
-              <a:t> </a:t>
-            </a:r>
-            <a:r>
-              <a:rPr lang="it-IT" sz="1984" dirty="0" err="1">
-                <a:solidFill>
-                  <a:schemeClr val="tx1">
-                    <a:lumMod val="65000"/>
-                    <a:lumOff val="35000"/>
-                  </a:schemeClr>
-                </a:solidFill>
-                <a:latin typeface="Roboto" panose="02000000000000000000" pitchFamily="2" charset="0"/>
-                <a:ea typeface="Roboto" panose="02000000000000000000" pitchFamily="2" charset="0"/>
-                <a:sym typeface="Arial"/>
-              </a:rPr>
-              <a:t>Inference</a:t>
-            </a:r>
-            <a:r>
-              <a:rPr lang="it-IT" sz="1984" dirty="0">
-                <a:solidFill>
-                  <a:schemeClr val="tx1">
-                    <a:lumMod val="65000"/>
-                    <a:lumOff val="35000"/>
-                  </a:schemeClr>
-                </a:solidFill>
-                <a:latin typeface="Roboto" panose="02000000000000000000" pitchFamily="2" charset="0"/>
-                <a:ea typeface="Roboto" panose="02000000000000000000" pitchFamily="2" charset="0"/>
-                <a:sym typeface="Arial"/>
-              </a:rPr>
-              <a:t> </a:t>
-            </a:r>
-            <a:endParaRPr dirty="0">
-              <a:solidFill>
-                <a:schemeClr val="tx1">
-                  <a:lumMod val="65000"/>
-                  <a:lumOff val="35000"/>
-                </a:schemeClr>
-              </a:solidFill>
-              <a:latin typeface="Roboto" panose="02000000000000000000" pitchFamily="2" charset="0"/>
-              <a:ea typeface="Roboto" panose="02000000000000000000" pitchFamily="2" charset="0"/>
-            </a:endParaRPr>
-          </a:p>
-        </p:txBody>
-      </p:sp>
-      <p:sp>
-        <p:nvSpPr>
-          <p:cNvPr id="221" name="Google Shape;221;p9"/>
-          <p:cNvSpPr txBox="1"/>
-          <p:nvPr/>
-        </p:nvSpPr>
-        <p:spPr>
-          <a:xfrm>
-            <a:off x="3961558" y="4365097"/>
-            <a:ext cx="1266904" cy="397673"/>
-          </a:xfrm>
-          <a:prstGeom prst="rect">
-            <a:avLst/>
-          </a:prstGeom>
-          <a:noFill/>
-          <a:ln>
-            <a:noFill/>
-          </a:ln>
-        </p:spPr>
-        <p:txBody>
-          <a:bodyPr spcFirstLastPara="1" wrap="square" lIns="91425" tIns="45700" rIns="91425" bIns="45700" anchor="t" anchorCtr="0">
-            <a:spAutoFit/>
-          </a:bodyPr>
-          <a:lstStyle/>
-          <a:p>
-            <a:r>
-              <a:rPr lang="it-IT" sz="1984" dirty="0" err="1">
-                <a:solidFill>
-                  <a:schemeClr val="tx1">
-                    <a:lumMod val="65000"/>
-                    <a:lumOff val="35000"/>
-                  </a:schemeClr>
-                </a:solidFill>
-                <a:latin typeface="Roboto" panose="02000000000000000000" pitchFamily="2" charset="0"/>
-                <a:ea typeface="Roboto" panose="02000000000000000000" pitchFamily="2" charset="0"/>
-                <a:sym typeface="Arial"/>
-              </a:rPr>
-              <a:t>Posterior</a:t>
-            </a:r>
-            <a:r>
-              <a:rPr lang="it-IT" sz="1984" dirty="0">
-                <a:solidFill>
-                  <a:schemeClr val="tx1">
-                    <a:lumMod val="65000"/>
-                    <a:lumOff val="35000"/>
-                  </a:schemeClr>
-                </a:solidFill>
-                <a:latin typeface="Roboto" panose="02000000000000000000" pitchFamily="2" charset="0"/>
-                <a:ea typeface="Roboto" panose="02000000000000000000" pitchFamily="2" charset="0"/>
-                <a:sym typeface="Arial"/>
-              </a:rPr>
-              <a:t> </a:t>
-            </a:r>
-            <a:endParaRPr dirty="0">
-              <a:solidFill>
-                <a:schemeClr val="tx1">
-                  <a:lumMod val="65000"/>
-                  <a:lumOff val="35000"/>
-                </a:schemeClr>
-              </a:solidFill>
-              <a:latin typeface="Roboto" panose="02000000000000000000" pitchFamily="2" charset="0"/>
-              <a:ea typeface="Roboto" panose="02000000000000000000" pitchFamily="2" charset="0"/>
-            </a:endParaRPr>
-          </a:p>
-        </p:txBody>
-      </p:sp>
-      <p:sp>
-        <p:nvSpPr>
-          <p:cNvPr id="222" name="Google Shape;222;p9"/>
-          <p:cNvSpPr txBox="1"/>
-          <p:nvPr/>
-        </p:nvSpPr>
-        <p:spPr>
-          <a:xfrm>
-            <a:off x="4043932" y="5081041"/>
-            <a:ext cx="2081724" cy="702973"/>
-          </a:xfrm>
-          <a:prstGeom prst="rect">
-            <a:avLst/>
-          </a:prstGeom>
-          <a:noFill/>
-          <a:ln>
-            <a:noFill/>
-          </a:ln>
-        </p:spPr>
-        <p:txBody>
-          <a:bodyPr spcFirstLastPara="1" wrap="square" lIns="91425" tIns="45700" rIns="91425" bIns="45700" anchor="t" anchorCtr="0">
-            <a:spAutoFit/>
-          </a:bodyPr>
-          <a:lstStyle/>
-          <a:p>
-            <a:r>
-              <a:rPr lang="it-IT" sz="1984" dirty="0" err="1">
-                <a:solidFill>
-                  <a:schemeClr val="tx1">
-                    <a:lumMod val="65000"/>
-                    <a:lumOff val="35000"/>
-                  </a:schemeClr>
-                </a:solidFill>
-                <a:latin typeface="Roboto" panose="02000000000000000000" pitchFamily="2" charset="0"/>
-                <a:ea typeface="Roboto" panose="02000000000000000000" pitchFamily="2" charset="0"/>
-                <a:sym typeface="Arial"/>
-              </a:rPr>
-              <a:t>Objective</a:t>
-            </a:r>
-            <a:r>
-              <a:rPr lang="it-IT" sz="1984" dirty="0">
-                <a:solidFill>
-                  <a:schemeClr val="tx1">
-                    <a:lumMod val="65000"/>
-                    <a:lumOff val="35000"/>
-                  </a:schemeClr>
-                </a:solidFill>
-                <a:latin typeface="Roboto" panose="02000000000000000000" pitchFamily="2" charset="0"/>
-                <a:ea typeface="Roboto" panose="02000000000000000000" pitchFamily="2" charset="0"/>
-                <a:sym typeface="Arial"/>
-              </a:rPr>
-              <a:t> </a:t>
-            </a:r>
-            <a:r>
-              <a:rPr lang="it-IT" sz="1984" dirty="0" err="1">
-                <a:solidFill>
-                  <a:schemeClr val="tx1">
-                    <a:lumMod val="65000"/>
-                    <a:lumOff val="35000"/>
-                  </a:schemeClr>
-                </a:solidFill>
-                <a:latin typeface="Roboto" panose="02000000000000000000" pitchFamily="2" charset="0"/>
-                <a:ea typeface="Roboto" panose="02000000000000000000" pitchFamily="2" charset="0"/>
-                <a:sym typeface="Arial"/>
-              </a:rPr>
-              <a:t>function</a:t>
-            </a:r>
-            <a:endParaRPr dirty="0">
-              <a:solidFill>
-                <a:schemeClr val="tx1">
-                  <a:lumMod val="65000"/>
-                  <a:lumOff val="35000"/>
-                </a:schemeClr>
-              </a:solidFill>
-              <a:latin typeface="Roboto" panose="02000000000000000000" pitchFamily="2" charset="0"/>
-              <a:ea typeface="Roboto" panose="02000000000000000000" pitchFamily="2" charset="0"/>
-            </a:endParaRPr>
-          </a:p>
-        </p:txBody>
-      </p:sp>
-      <p:sp>
-        <p:nvSpPr>
-          <p:cNvPr id="223" name="Google Shape;223;p9"/>
-          <p:cNvSpPr txBox="1"/>
-          <p:nvPr/>
-        </p:nvSpPr>
-        <p:spPr>
-          <a:xfrm>
-            <a:off x="1016794" y="3700289"/>
-            <a:ext cx="2841184" cy="702973"/>
-          </a:xfrm>
-          <a:prstGeom prst="rect">
-            <a:avLst/>
-          </a:prstGeom>
-          <a:noFill/>
-          <a:ln>
-            <a:noFill/>
-          </a:ln>
-        </p:spPr>
-        <p:txBody>
-          <a:bodyPr spcFirstLastPara="1" wrap="square" lIns="91425" tIns="45700" rIns="91425" bIns="45700" anchor="t" anchorCtr="0">
-            <a:spAutoFit/>
-          </a:bodyPr>
-          <a:lstStyle/>
-          <a:p>
-            <a:r>
-              <a:rPr lang="it-IT" sz="1984" dirty="0" err="1">
-                <a:solidFill>
-                  <a:schemeClr val="tx1">
-                    <a:lumMod val="65000"/>
-                    <a:lumOff val="35000"/>
-                  </a:schemeClr>
-                </a:solidFill>
-                <a:latin typeface="Roboto" panose="02000000000000000000" pitchFamily="2" charset="0"/>
-                <a:ea typeface="Roboto" panose="02000000000000000000" pitchFamily="2" charset="0"/>
-                <a:sym typeface="Arial"/>
-              </a:rPr>
-              <a:t>Decision</a:t>
-            </a:r>
-            <a:r>
-              <a:rPr lang="it-IT" sz="1984" dirty="0">
-                <a:solidFill>
-                  <a:schemeClr val="tx1">
-                    <a:lumMod val="65000"/>
-                    <a:lumOff val="35000"/>
-                  </a:schemeClr>
-                </a:solidFill>
-                <a:latin typeface="Roboto" panose="02000000000000000000" pitchFamily="2" charset="0"/>
-                <a:ea typeface="Roboto" panose="02000000000000000000" pitchFamily="2" charset="0"/>
-                <a:sym typeface="Arial"/>
-              </a:rPr>
-              <a:t> Rule/ Best set of </a:t>
-            </a:r>
-            <a:r>
-              <a:rPr lang="it-IT" sz="1984" dirty="0" err="1">
-                <a:solidFill>
-                  <a:schemeClr val="tx1">
-                    <a:lumMod val="65000"/>
-                    <a:lumOff val="35000"/>
-                  </a:schemeClr>
-                </a:solidFill>
-                <a:latin typeface="Roboto" panose="02000000000000000000" pitchFamily="2" charset="0"/>
-                <a:ea typeface="Roboto" panose="02000000000000000000" pitchFamily="2" charset="0"/>
-                <a:sym typeface="Arial"/>
-              </a:rPr>
-              <a:t>parametrs</a:t>
-            </a:r>
-            <a:endParaRPr dirty="0">
-              <a:solidFill>
-                <a:schemeClr val="tx1">
-                  <a:lumMod val="65000"/>
-                  <a:lumOff val="35000"/>
-                </a:schemeClr>
-              </a:solidFill>
-              <a:latin typeface="Roboto" panose="02000000000000000000" pitchFamily="2" charset="0"/>
-              <a:ea typeface="Roboto" panose="02000000000000000000" pitchFamily="2" charset="0"/>
-            </a:endParaRPr>
-          </a:p>
-        </p:txBody>
-      </p:sp>
-      <p:sp>
-        <p:nvSpPr>
-          <p:cNvPr id="224" name="Google Shape;224;p9"/>
-          <p:cNvSpPr txBox="1"/>
-          <p:nvPr/>
-        </p:nvSpPr>
-        <p:spPr>
-          <a:xfrm>
-            <a:off x="2056925" y="1147044"/>
-            <a:ext cx="5858601" cy="397633"/>
-          </a:xfrm>
-          <a:prstGeom prst="rect">
-            <a:avLst/>
-          </a:prstGeom>
-          <a:noFill/>
-          <a:ln>
-            <a:noFill/>
-          </a:ln>
-        </p:spPr>
-        <p:txBody>
-          <a:bodyPr spcFirstLastPara="1" wrap="square" lIns="91425" tIns="45700" rIns="91425" bIns="45700" anchor="t" anchorCtr="0">
-            <a:spAutoFit/>
-          </a:bodyPr>
-          <a:lstStyle/>
-          <a:p>
-            <a:r>
-              <a:rPr lang="it-IT" sz="1984" dirty="0">
-                <a:solidFill>
-                  <a:schemeClr val="tx1">
-                    <a:lumMod val="65000"/>
-                    <a:lumOff val="35000"/>
-                  </a:schemeClr>
-                </a:solidFill>
-                <a:latin typeface="Roboto" panose="02000000000000000000" pitchFamily="2" charset="0"/>
-                <a:ea typeface="Roboto" panose="02000000000000000000" pitchFamily="2" charset="0"/>
-                <a:sym typeface="Arial"/>
-              </a:rPr>
-              <a:t> </a:t>
-            </a:r>
-            <a:r>
-              <a:rPr lang="it-IT" sz="1984" dirty="0" err="1">
-                <a:solidFill>
-                  <a:schemeClr val="tx1">
-                    <a:lumMod val="65000"/>
-                    <a:lumOff val="35000"/>
-                  </a:schemeClr>
-                </a:solidFill>
-                <a:latin typeface="Roboto" panose="02000000000000000000" pitchFamily="2" charset="0"/>
-                <a:ea typeface="Roboto" panose="02000000000000000000" pitchFamily="2" charset="0"/>
-                <a:sym typeface="Arial"/>
-              </a:rPr>
-              <a:t>Is</a:t>
-            </a:r>
-            <a:r>
-              <a:rPr lang="it-IT" sz="1984" dirty="0">
-                <a:solidFill>
-                  <a:schemeClr val="tx1">
-                    <a:lumMod val="65000"/>
-                    <a:lumOff val="35000"/>
-                  </a:schemeClr>
-                </a:solidFill>
-                <a:latin typeface="Roboto" panose="02000000000000000000" pitchFamily="2" charset="0"/>
-                <a:ea typeface="Roboto" panose="02000000000000000000" pitchFamily="2" charset="0"/>
-                <a:sym typeface="Arial"/>
-              </a:rPr>
-              <a:t> </a:t>
-            </a:r>
-            <a:r>
-              <a:rPr lang="it-IT" sz="1984" dirty="0" err="1">
-                <a:solidFill>
-                  <a:schemeClr val="tx1">
-                    <a:lumMod val="65000"/>
-                    <a:lumOff val="35000"/>
-                  </a:schemeClr>
-                </a:solidFill>
-                <a:latin typeface="Roboto" panose="02000000000000000000" pitchFamily="2" charset="0"/>
-                <a:ea typeface="Roboto" panose="02000000000000000000" pitchFamily="2" charset="0"/>
-                <a:sym typeface="Arial"/>
-              </a:rPr>
-              <a:t>it</a:t>
-            </a:r>
-            <a:r>
-              <a:rPr lang="it-IT" sz="1984" dirty="0">
-                <a:solidFill>
-                  <a:schemeClr val="tx1">
-                    <a:lumMod val="65000"/>
-                    <a:lumOff val="35000"/>
-                  </a:schemeClr>
-                </a:solidFill>
-                <a:latin typeface="Roboto" panose="02000000000000000000" pitchFamily="2" charset="0"/>
-                <a:ea typeface="Roboto" panose="02000000000000000000" pitchFamily="2" charset="0"/>
-                <a:sym typeface="Arial"/>
-              </a:rPr>
-              <a:t> </a:t>
-            </a:r>
-            <a:r>
-              <a:rPr lang="it-IT" sz="1984" dirty="0" err="1">
-                <a:solidFill>
-                  <a:schemeClr val="tx1">
-                    <a:lumMod val="65000"/>
-                    <a:lumOff val="35000"/>
-                  </a:schemeClr>
-                </a:solidFill>
-                <a:latin typeface="Roboto" panose="02000000000000000000" pitchFamily="2" charset="0"/>
-                <a:ea typeface="Roboto" panose="02000000000000000000" pitchFamily="2" charset="0"/>
-                <a:sym typeface="Arial"/>
-              </a:rPr>
-              <a:t>malicious</a:t>
-            </a:r>
-            <a:r>
-              <a:rPr lang="it-IT" sz="1984" dirty="0">
-                <a:solidFill>
-                  <a:schemeClr val="tx1">
-                    <a:lumMod val="65000"/>
-                    <a:lumOff val="35000"/>
-                  </a:schemeClr>
-                </a:solidFill>
-                <a:latin typeface="Roboto" panose="02000000000000000000" pitchFamily="2" charset="0"/>
-                <a:ea typeface="Roboto" panose="02000000000000000000" pitchFamily="2" charset="0"/>
-                <a:sym typeface="Arial"/>
-              </a:rPr>
-              <a:t>? Y/</a:t>
-            </a:r>
-            <a:r>
-              <a:rPr lang="it-IT" sz="1984" dirty="0" err="1">
-                <a:solidFill>
-                  <a:schemeClr val="tx1">
-                    <a:lumMod val="65000"/>
-                    <a:lumOff val="35000"/>
-                  </a:schemeClr>
-                </a:solidFill>
-                <a:latin typeface="Roboto" panose="02000000000000000000" pitchFamily="2" charset="0"/>
-                <a:ea typeface="Roboto" panose="02000000000000000000" pitchFamily="2" charset="0"/>
-                <a:sym typeface="Arial"/>
-              </a:rPr>
-              <a:t>N</a:t>
-            </a:r>
-            <a:endParaRPr dirty="0">
+              <a:t> Is it malicious? Y/N</a:t>
+            </a:r>
+            <a:endParaRPr lang="en-US" dirty="0">
               <a:solidFill>
                 <a:schemeClr val="tx1">
                   <a:lumMod val="65000"/>
@@ -5513,7 +5275,7 @@
           <a:lstStyle/>
           <a:p>
             <a:r>
-              <a:rPr lang="it-IT" sz="1984">
+              <a:rPr lang="en-US" sz="1984">
                 <a:solidFill>
                   <a:schemeClr val="tx1">
                     <a:lumMod val="65000"/>
@@ -5526,7 +5288,7 @@
               </a:rPr>
               <a:t>Acquisition function</a:t>
             </a:r>
-            <a:endParaRPr>
+            <a:endParaRPr lang="en-US" dirty="0">
               <a:solidFill>
                 <a:schemeClr val="tx1">
                   <a:lumMod val="65000"/>
@@ -5641,7 +5403,7 @@
           <a:lstStyle/>
           <a:p>
             <a:r>
-              <a:rPr lang="it-IT" sz="1984" dirty="0" err="1">
+              <a:rPr lang="en-US" sz="1984">
                 <a:solidFill>
                   <a:schemeClr val="tx1">
                     <a:lumMod val="65000"/>
@@ -5654,7 +5416,7 @@
               </a:rPr>
               <a:t>Deploy</a:t>
             </a:r>
-            <a:endParaRPr dirty="0">
+            <a:endParaRPr lang="en-US" dirty="0">
               <a:solidFill>
                 <a:schemeClr val="tx1">
                   <a:lumMod val="65000"/>
@@ -5749,7 +5511,7 @@
           <a:lstStyle/>
           <a:p>
             <a:r>
-              <a:rPr lang="it-IT" sz="1984" dirty="0">
+              <a:rPr lang="en-US" sz="1984">
                 <a:solidFill>
                   <a:schemeClr val="tx1">
                     <a:lumMod val="65000"/>
@@ -5762,7 +5524,7 @@
               </a:rPr>
               <a:t>Test data</a:t>
             </a:r>
-            <a:endParaRPr dirty="0">
+            <a:endParaRPr lang="en-US" dirty="0">
               <a:solidFill>
                 <a:schemeClr val="tx1">
                   <a:lumMod val="65000"/>
@@ -5836,7 +5598,7 @@
           <a:lstStyle/>
           <a:p>
             <a:r>
-              <a:rPr lang="it-IT">
+              <a:rPr lang="en-US">
                 <a:solidFill>
                   <a:schemeClr val="tx1">
                     <a:lumMod val="65000"/>
@@ -5849,7 +5611,7 @@
               </a:rPr>
               <a:t> </a:t>
             </a:r>
-            <a:endParaRPr>
+            <a:endParaRPr lang="en-US" dirty="0">
               <a:solidFill>
                 <a:schemeClr val="tx1">
                   <a:lumMod val="65000"/>
@@ -6327,7 +6089,7 @@
           <a:lstStyle/>
           <a:p>
             <a:r>
-              <a:rPr lang="it-IT" dirty="0">
+              <a:rPr lang="en-US">
                 <a:solidFill>
                   <a:schemeClr val="tx1">
                     <a:lumMod val="65000"/>
@@ -6337,22 +6099,9 @@
                 <a:latin typeface="Roboto" panose="02000000000000000000" pitchFamily="2" charset="0"/>
                 <a:ea typeface="Roboto" panose="02000000000000000000" pitchFamily="2" charset="0"/>
               </a:rPr>
-              <a:t>Features </a:t>
-            </a:r>
-            <a:r>
-              <a:rPr lang="it-IT" dirty="0" err="1">
-                <a:solidFill>
-                  <a:schemeClr val="tx1">
-                    <a:lumMod val="65000"/>
-                    <a:lumOff val="35000"/>
-                  </a:schemeClr>
-                </a:solidFill>
-                <a:latin typeface="Roboto" panose="02000000000000000000" pitchFamily="2" charset="0"/>
-                <a:ea typeface="Roboto" panose="02000000000000000000" pitchFamily="2" charset="0"/>
-              </a:rPr>
-              <a:t>Extraction</a:t>
-            </a:r>
-            <a:endParaRPr lang="it-IT" dirty="0">
+              <a:t>Features Extraction</a:t>
+            </a:r>
+            <a:endParaRPr lang="en-US" dirty="0">
               <a:solidFill>
                 <a:schemeClr val="tx1">
                   <a:lumMod val="65000"/>
@@ -6644,7 +6393,7 @@
               <a:buSzPts val="2800"/>
             </a:pPr>
             <a:r>
-              <a:rPr lang="it-IT" sz="2800" b="1" dirty="0" err="1">
+              <a:rPr lang="en-US" sz="2800" b="1">
                 <a:solidFill>
                   <a:schemeClr val="tx1">
                     <a:lumMod val="65000"/>
@@ -6654,10 +6403,10 @@
                 <a:latin typeface="Roboto" panose="02000000000000000000" pitchFamily="2" charset="0"/>
                 <a:ea typeface="Roboto" panose="02000000000000000000" pitchFamily="2" charset="0"/>
               </a:rPr>
-              <a:t>Bayes</a:t>
-            </a:r>
-            <a:r>
-              <a:rPr lang="it-IT" sz="2800" b="1" dirty="0">
+              <a:t>Bayes Inference: </a:t>
+            </a:r>
+            <a:br>
+              <a:rPr lang="en-US" sz="2800" b="1">
                 <a:solidFill>
                   <a:schemeClr val="tx1">
                     <a:lumMod val="65000"/>
@@ -6667,10 +6416,9 @@
                 <a:latin typeface="Roboto" panose="02000000000000000000" pitchFamily="2" charset="0"/>
                 <a:ea typeface="Roboto" panose="02000000000000000000" pitchFamily="2" charset="0"/>
               </a:rPr>
-              <a:t> </a:t>
-            </a:r>
-            <a:r>
-              <a:rPr lang="it-IT" sz="2800" b="1" dirty="0" err="1">
+            </a:br>
+            <a:r>
+              <a:rPr lang="en-US" sz="2800" b="1">
                 <a:solidFill>
                   <a:schemeClr val="tx1">
                     <a:lumMod val="65000"/>
@@ -6680,180 +6428,12 @@
                 <a:latin typeface="Roboto" panose="02000000000000000000" pitchFamily="2" charset="0"/>
                 <a:ea typeface="Roboto" panose="02000000000000000000" pitchFamily="2" charset="0"/>
               </a:rPr>
-              <a:t>Inference</a:t>
-            </a:r>
-            <a:r>
-              <a:rPr lang="it-IT" sz="2800" b="1" dirty="0">
-                <a:solidFill>
-                  <a:schemeClr val="tx1">
-                    <a:lumMod val="65000"/>
-                    <a:lumOff val="35000"/>
-                  </a:schemeClr>
-                </a:solidFill>
-                <a:latin typeface="Roboto" panose="02000000000000000000" pitchFamily="2" charset="0"/>
-                <a:ea typeface="Roboto" panose="02000000000000000000" pitchFamily="2" charset="0"/>
-              </a:rPr>
-              <a:t>: </a:t>
+              <a:t>Toy Example of a 1D Gaussian process for parameter optimization. </a:t>
             </a:r>
             <a:br>
-              <a:rPr lang="it-IT" sz="2800" b="1" dirty="0">
-                <a:solidFill>
-                  <a:schemeClr val="tx1">
-                    <a:lumMod val="65000"/>
-                    <a:lumOff val="35000"/>
-                  </a:schemeClr>
-                </a:solidFill>
-                <a:latin typeface="Roboto" panose="02000000000000000000" pitchFamily="2" charset="0"/>
-                <a:ea typeface="Roboto" panose="02000000000000000000" pitchFamily="2" charset="0"/>
-              </a:rPr>
+              <a:rPr lang="en-US"/>
             </a:br>
-            <a:r>
-              <a:rPr lang="it-IT" sz="2800" b="1" dirty="0">
-                <a:solidFill>
-                  <a:schemeClr val="tx1">
-                    <a:lumMod val="65000"/>
-                    <a:lumOff val="35000"/>
-                  </a:schemeClr>
-                </a:solidFill>
-                <a:latin typeface="Roboto" panose="02000000000000000000" pitchFamily="2" charset="0"/>
-                <a:ea typeface="Roboto" panose="02000000000000000000" pitchFamily="2" charset="0"/>
-              </a:rPr>
-              <a:t>Toy </a:t>
-            </a:r>
-            <a:r>
-              <a:rPr lang="it-IT" sz="2800" b="1" dirty="0" err="1">
-                <a:solidFill>
-                  <a:schemeClr val="tx1">
-                    <a:lumMod val="65000"/>
-                    <a:lumOff val="35000"/>
-                  </a:schemeClr>
-                </a:solidFill>
-                <a:latin typeface="Roboto" panose="02000000000000000000" pitchFamily="2" charset="0"/>
-                <a:ea typeface="Roboto" panose="02000000000000000000" pitchFamily="2" charset="0"/>
-              </a:rPr>
-              <a:t>Example</a:t>
-            </a:r>
-            <a:r>
-              <a:rPr lang="it-IT" sz="2800" b="1" dirty="0">
-                <a:solidFill>
-                  <a:schemeClr val="tx1">
-                    <a:lumMod val="65000"/>
-                    <a:lumOff val="35000"/>
-                  </a:schemeClr>
-                </a:solidFill>
-                <a:latin typeface="Roboto" panose="02000000000000000000" pitchFamily="2" charset="0"/>
-                <a:ea typeface="Roboto" panose="02000000000000000000" pitchFamily="2" charset="0"/>
-              </a:rPr>
-              <a:t> of a 1D </a:t>
-            </a:r>
-            <a:r>
-              <a:rPr lang="it-IT" sz="2800" b="1" dirty="0" err="1">
-                <a:solidFill>
-                  <a:schemeClr val="tx1">
-                    <a:lumMod val="65000"/>
-                    <a:lumOff val="35000"/>
-                  </a:schemeClr>
-                </a:solidFill>
-                <a:latin typeface="Roboto" panose="02000000000000000000" pitchFamily="2" charset="0"/>
-                <a:ea typeface="Roboto" panose="02000000000000000000" pitchFamily="2" charset="0"/>
-              </a:rPr>
-              <a:t>Gaussian</a:t>
-            </a:r>
-            <a:r>
-              <a:rPr lang="it-IT" sz="2800" b="1" dirty="0">
-                <a:solidFill>
-                  <a:schemeClr val="tx1">
-                    <a:lumMod val="65000"/>
-                    <a:lumOff val="35000"/>
-                  </a:schemeClr>
-                </a:solidFill>
-                <a:latin typeface="Roboto" panose="02000000000000000000" pitchFamily="2" charset="0"/>
-                <a:ea typeface="Roboto" panose="02000000000000000000" pitchFamily="2" charset="0"/>
-              </a:rPr>
-              <a:t> </a:t>
-            </a:r>
-            <a:r>
-              <a:rPr lang="it-IT" sz="2800" b="1" dirty="0" err="1">
-                <a:solidFill>
-                  <a:schemeClr val="tx1">
-                    <a:lumMod val="65000"/>
-                    <a:lumOff val="35000"/>
-                  </a:schemeClr>
-                </a:solidFill>
-                <a:latin typeface="Roboto" panose="02000000000000000000" pitchFamily="2" charset="0"/>
-                <a:ea typeface="Roboto" panose="02000000000000000000" pitchFamily="2" charset="0"/>
-              </a:rPr>
-              <a:t>process</a:t>
-            </a:r>
-            <a:r>
-              <a:rPr lang="it-IT" sz="2800" b="1" dirty="0">
-                <a:solidFill>
-                  <a:schemeClr val="tx1">
-                    <a:lumMod val="65000"/>
-                    <a:lumOff val="35000"/>
-                  </a:schemeClr>
-                </a:solidFill>
-                <a:latin typeface="Roboto" panose="02000000000000000000" pitchFamily="2" charset="0"/>
-                <a:ea typeface="Roboto" panose="02000000000000000000" pitchFamily="2" charset="0"/>
-              </a:rPr>
-              <a:t> for </a:t>
-            </a:r>
-            <a:r>
-              <a:rPr lang="it-IT" sz="2800" b="1" dirty="0" err="1">
-                <a:solidFill>
-                  <a:schemeClr val="tx1">
-                    <a:lumMod val="65000"/>
-                    <a:lumOff val="35000"/>
-                  </a:schemeClr>
-                </a:solidFill>
-                <a:latin typeface="Roboto" panose="02000000000000000000" pitchFamily="2" charset="0"/>
-                <a:ea typeface="Roboto" panose="02000000000000000000" pitchFamily="2" charset="0"/>
-              </a:rPr>
-              <a:t>parameter</a:t>
-            </a:r>
-            <a:r>
-              <a:rPr lang="it-IT" sz="2800" b="1" dirty="0">
-                <a:solidFill>
-                  <a:schemeClr val="tx1">
-                    <a:lumMod val="65000"/>
-                    <a:lumOff val="35000"/>
-                  </a:schemeClr>
-                </a:solidFill>
-                <a:latin typeface="Roboto" panose="02000000000000000000" pitchFamily="2" charset="0"/>
-                <a:ea typeface="Roboto" panose="02000000000000000000" pitchFamily="2" charset="0"/>
-              </a:rPr>
-              <a:t> </a:t>
-            </a:r>
-            <a:r>
-              <a:rPr lang="it-IT" sz="2800" b="1" dirty="0" err="1">
-                <a:solidFill>
-                  <a:schemeClr val="tx1">
-                    <a:lumMod val="65000"/>
-                    <a:lumOff val="35000"/>
-                  </a:schemeClr>
-                </a:solidFill>
-                <a:latin typeface="Roboto" panose="02000000000000000000" pitchFamily="2" charset="0"/>
-                <a:ea typeface="Roboto" panose="02000000000000000000" pitchFamily="2" charset="0"/>
-              </a:rPr>
-              <a:t>optimization</a:t>
-            </a:r>
-            <a:r>
-              <a:rPr lang="it-IT" sz="2800" b="1" dirty="0">
-                <a:solidFill>
-                  <a:schemeClr val="tx1">
-                    <a:lumMod val="65000"/>
-                    <a:lumOff val="35000"/>
-                  </a:schemeClr>
-                </a:solidFill>
-                <a:latin typeface="Roboto" panose="02000000000000000000" pitchFamily="2" charset="0"/>
-                <a:ea typeface="Roboto" panose="02000000000000000000" pitchFamily="2" charset="0"/>
-              </a:rPr>
-              <a:t> . </a:t>
-            </a:r>
-            <a:br>
-              <a:rPr lang="it-IT" dirty="0"/>
-            </a:br>
-            <a:endParaRPr dirty="0"/>
+            <a:endParaRPr lang="en-US" dirty="0"/>
           </a:p>
         </p:txBody>
       </p:sp>
@@ -6921,7 +6501,7 @@
           <a:lstStyle/>
           <a:p>
             <a:r>
-              <a:rPr lang="it-IT" dirty="0">
+              <a:rPr lang="en-US">
                 <a:solidFill>
                   <a:schemeClr val="tx1">
                     <a:lumMod val="65000"/>
@@ -6935,7 +6515,7 @@
               </a:rPr>
               <a:t> </a:t>
             </a:r>
-            <a:endParaRPr dirty="0">
+            <a:endParaRPr lang="en-US" dirty="0">
               <a:solidFill>
                 <a:schemeClr val="tx1">
                   <a:lumMod val="65000"/>
@@ -6979,6 +6559,20 @@
               <a:buFont typeface="Arial"/>
               <a:buChar char="•"/>
             </a:pPr>
+            <a:r>
+              <a:rPr lang="en-US">
+                <a:solidFill>
+                  <a:schemeClr val="tx1">
+                    <a:lumMod val="65000"/>
+                    <a:lumOff val="35000"/>
+                  </a:schemeClr>
+                </a:solidFill>
+                <a:latin typeface="Roboto" panose="02000000000000000000" pitchFamily="2" charset="0"/>
+                <a:ea typeface="Roboto" panose="02000000000000000000" pitchFamily="2" charset="0"/>
+                <a:sym typeface="Arial"/>
+              </a:rPr>
+              <a:t>Construct posterior </a:t>
+            </a:r>
             <a:r>
               <a:rPr lang="en-US" dirty="0">
                 <a:solidFill>
@@ -6991,7 +6585,7 @@
                 <a:ea typeface="Roboto" panose="02000000000000000000" pitchFamily="2" charset="0"/>
                 <a:sym typeface="Arial"/>
               </a:rPr>
-              <a:t>Construct  posterior distribution of functions (gaussian process) that best describes the objective function we want to maximize. </a:t>
+              <a:t>distribution of functions (gaussian process) that best describes the objective function we want to maximize. </a:t>
             </a:r>
             <a:endParaRPr lang="en-US" dirty="0">
               <a:solidFill>
@@ -7030,8 +6624,8 @@
           </a:p>
         </p:txBody>
       </p:sp>
-      <mc:AlternateContent xmlns:mc="http://schemas.openxmlformats.org/markup-compatibility/2006">
-        <mc:Choice xmlns:a14="http://schemas.microsoft.com/office/drawing/2010/main" Requires="a14">
+      <mc:AlternateContent xmlns:mc="http://schemas.openxmlformats.org/markup-compatibility/2006" xmlns:a14="http://schemas.microsoft.com/office/drawing/2010/main">
+        <mc:Choice Requires="a14">
           <p:sp>
             <p:nvSpPr>
               <p:cNvPr id="2" name="TextBox 1">
@@ -7179,7 +6773,7 @@
             </p:txBody>
           </p:sp>
         </mc:Choice>
-        <mc:Fallback>
+        <mc:Fallback xmlns="">
           <p:sp>
             <p:nvSpPr>
               <p:cNvPr id="2" name="TextBox 1">
@@ -7624,7 +7218,29 @@
                   </a:schemeClr>
                 </a:solidFill>
               </a:rPr>
-              <a:t>Backstabber’s knife dataset. Filter by version and campaign of the attack.⛔️  10%.</a:t>
+              <a:t>Backstabber’s knife dataset. Filter by version and campaign of </a:t>
+            </a:r>
+            <a:r>
+              <a:rPr lang="en-US" sz="2200">
+                <a:solidFill>
+                  <a:schemeClr val="tx1">
+                    <a:lumMod val="65000"/>
+                    <a:lumOff val="35000"/>
+                  </a:schemeClr>
+                </a:solidFill>
+              </a:rPr>
+              <a:t>the attack. ⛔️ 10</a:t>
+            </a:r>
+            <a:r>
+              <a:rPr lang="en-US" sz="2200" dirty="0">
+                <a:solidFill>
+                  <a:schemeClr val="tx1">
+                    <a:lumMod val="65000"/>
+                    <a:lumOff val="35000"/>
+                  </a:schemeClr>
+                </a:solidFill>
+              </a:rPr>
+              <a:t>%.</a:t>
             </a:r>
           </a:p>
         </p:txBody>
@@ -7757,25 +7373,18 @@
           <a:lstStyle/>
           <a:p>
             <a:r>
+              <a:rPr lang="en-US" sz="1800">
+                <a:latin typeface="Roboto" panose="02000000000000000000" pitchFamily="2" charset="0"/>
+                <a:ea typeface="Roboto" panose="02000000000000000000" pitchFamily="2" charset="0"/>
+              </a:rPr>
+              <a:t>All file. js </a:t>
+            </a:r>
+            <a:r>
               <a:rPr lang="en-US" sz="1800" dirty="0">
                 <a:latin typeface="Roboto" panose="02000000000000000000" pitchFamily="2" charset="0"/>
                 <a:ea typeface="Roboto" panose="02000000000000000000" pitchFamily="2" charset="0"/>
               </a:rPr>
-              <a:t>All </a:t>
-            </a:r>
-            <a:r>
-              <a:rPr lang="en-US" sz="1800" dirty="0" err="1">
-                <a:latin typeface="Roboto" panose="02000000000000000000" pitchFamily="2" charset="0"/>
-                <a:ea typeface="Roboto" panose="02000000000000000000" pitchFamily="2" charset="0"/>
-              </a:rPr>
-              <a:t>file.js</a:t>
-            </a:r>
-            <a:r>
-              <a:rPr lang="en-US" sz="1800" dirty="0">
-                <a:latin typeface="Roboto" panose="02000000000000000000" pitchFamily="2" charset="0"/>
-                <a:ea typeface="Roboto" panose="02000000000000000000" pitchFamily="2" charset="0"/>
-              </a:rPr>
-              <a:t> in the package </a:t>
+              <a:t>in the package </a:t>
             </a:r>
           </a:p>
           <a:p>
@@ -8472,8 +8081,31 @@
                 <a:latin typeface="Roboto" panose="02000000000000000000" pitchFamily="2" charset="0"/>
                 <a:ea typeface="Roboto" panose="02000000000000000000" pitchFamily="2" charset="0"/>
               </a:rPr>
-              <a:t>Operators [ ;     </a:t>
-            </a:r>
+              <a:t>Operators </a:t>
+            </a:r>
+            <a:r>
+              <a:rPr lang="en-US">
+                <a:solidFill>
+                  <a:schemeClr val="tx1">
+                    <a:lumMod val="65000"/>
+                    <a:lumOff val="35000"/>
+                  </a:schemeClr>
+                </a:solidFill>
+                <a:latin typeface="Roboto" panose="02000000000000000000" pitchFamily="2" charset="0"/>
+                <a:ea typeface="Roboto" panose="02000000000000000000" pitchFamily="2" charset="0"/>
+              </a:rPr>
+              <a:t>[ ;]     </a:t>
+            </a:r>
+            <a:endParaRPr lang="en-US" dirty="0">
+              <a:solidFill>
+                <a:schemeClr val="tx1">
+                  <a:lumMod val="65000"/>
+                  <a:lumOff val="35000"/>
+                </a:schemeClr>
+              </a:solidFill>
+              <a:latin typeface="Roboto" panose="02000000000000000000" pitchFamily="2" charset="0"/>
+              <a:ea typeface="Roboto" panose="02000000000000000000" pitchFamily="2" charset="0"/>
+            </a:endParaRPr>
           </a:p>
         </p:txBody>
       </p:sp>
@@ -8547,19 +8179,16 @@
           <a:lstStyle/>
           <a:p>
             <a:r>
-              <a:rPr lang="en-US" dirty="0" err="1">
+              <a:rPr lang="en-US">
                 <a:latin typeface="Roboto" panose="02000000000000000000" pitchFamily="2" charset="0"/>
                 <a:ea typeface="Roboto" panose="02000000000000000000" pitchFamily="2" charset="0"/>
               </a:rPr>
-              <a:t>json.loads</a:t>
-            </a:r>
-            <a:r>
-              <a:rPr lang="en-US" dirty="0">
-                <a:latin typeface="Roboto" panose="02000000000000000000" pitchFamily="2" charset="0"/>
-                <a:ea typeface="Roboto" panose="02000000000000000000" pitchFamily="2" charset="0"/>
-              </a:rPr>
-              <a:t> </a:t>
-            </a:r>
+              <a:t>json. loads </a:t>
+            </a:r>
+            <a:endParaRPr lang="en-US" dirty="0">
+              <a:latin typeface="Roboto" panose="02000000000000000000" pitchFamily="2" charset="0"/>
+              <a:ea typeface="Roboto" panose="02000000000000000000" pitchFamily="2" charset="0"/>
+            </a:endParaRPr>
           </a:p>
         </p:txBody>
       </p:sp>
@@ -9766,8 +9395,8 @@
           </a:p>
         </p:txBody>
       </p:sp>
-      <mc:AlternateContent xmlns:mc="http://schemas.openxmlformats.org/markup-compatibility/2006" xmlns:a14="http://schemas.microsoft.com/office/drawing/2010/main">
-        <mc:Choice Requires="a14">
+      <mc:AlternateContent xmlns:mc="http://schemas.openxmlformats.org/markup-compatibility/2006">
+        <mc:Choice xmlns:a14="http://schemas.microsoft.com/office/drawing/2010/main" Requires="a14">
           <p:sp>
             <p:nvSpPr>
               <p:cNvPr id="3" name="Content Placeholder 2">
@@ -9806,7 +9435,7 @@
                     <a:latin typeface="Roboto" panose="02000000000000000000" pitchFamily="2" charset="0"/>
                     <a:ea typeface="Roboto" panose="02000000000000000000" pitchFamily="2" charset="0"/>
                   </a:rPr>
-                  <a:t>Malicious loads depart from the core of the distribution more heavily than benign ones. A measure of the randomness applied to the generalization language can help in detect outliers. </a:t>
+                  <a:t>A measure of uncertainty may have help in discover malicious patterns that depart from the core of the distribution more. A measure of the randomness applied to the generalization language can help in detect outliers. </a:t>
                 </a:r>
               </a:p>
               <a:p>
@@ -9829,7 +9458,7 @@
                     </m:oMathParaPr>
                     <m:oMath xmlns:m="http://schemas.openxmlformats.org/officeDocument/2006/math">
                       <m:r>
-                        <a:rPr lang="it-IT" b="0" i="1" smtClean="0">
+                        <a:rPr lang="en-US" b="0" i="1" smtClean="0">
                           <a:latin typeface="Cambria Math" panose="02040503050406030204" pitchFamily="18" charset="0"/>
                         </a:rPr>
                         <m:t>𝐻</m:t>
@@ -9837,14 +9466,14 @@
                       <m:d>
                         <m:dPr>
                           <m:ctrlPr>
-                            <a:rPr lang="it-IT" b="0" i="1" smtClean="0">
+                            <a:rPr lang="en-US" b="0" i="1" smtClean="0">
                               <a:latin typeface="Cambria Math" panose="02040503050406030204" pitchFamily="18" charset="0"/>
                             </a:rPr>
                           </m:ctrlPr>
                         </m:dPr>
                         <m:e>
                           <m:r>
-                            <a:rPr lang="it-IT" b="0" i="1" smtClean="0">
+                            <a:rPr lang="en-US" b="0" i="1" smtClean="0">
                               <a:latin typeface="Cambria Math" panose="02040503050406030204" pitchFamily="18" charset="0"/>
                             </a:rPr>
                             <m:t>𝑥</m:t>
@@ -9852,7 +9481,7 @@
                         </m:e>
                       </m:d>
                       <m:r>
-                        <a:rPr lang="it-IT" b="0" i="1" smtClean="0">
+                        <a:rPr lang="en-US" b="0" i="1" smtClean="0">
                           <a:latin typeface="Cambria Math" panose="02040503050406030204" pitchFamily="18" charset="0"/>
                         </a:rPr>
                         <m:t>=−</m:t>
@@ -9871,7 +9500,7 @@
                             <m:rPr>
                               <m:brk m:alnAt="23"/>
                             </m:rPr>
-                            <a:rPr lang="it-IT" b="0" i="1" smtClean="0">
+                            <a:rPr lang="en-US" b="0" i="1" smtClean="0">
                               <a:latin typeface="Cambria Math" panose="02040503050406030204" pitchFamily="18" charset="0"/>
                             </a:rPr>
                             <m:t>𝑥</m:t>
@@ -9880,46 +9509,22 @@
                         <m:sup/>
                         <m:e>
                           <m:r>
-                            <a:rPr lang="it-IT" b="0" i="1" smtClean="0">
+                            <a:rPr lang="en-US" b="0" i="1" smtClean="0">
                               <a:latin typeface="Cambria Math" panose="02040503050406030204" pitchFamily="18" charset="0"/>
                             </a:rPr>
                             <m:t>𝑝</m:t>
                           </m:r>
                           <m:r>
-                            <a:rPr lang="it-IT" b="0" i="1" smtClean="0">
+                            <a:rPr lang="en-US" b="0" i="1" smtClean="0">
                               <a:latin typeface="Cambria Math" panose="02040503050406030204" pitchFamily="18" charset="0"/>
                             </a:rPr>
-                            <m:t>(</m:t>
+                            <m:t> (</m:t>
                           </m:r>
-                          <m:sSup>
-                            <m:sSupPr>
-                              <m:ctrlPr>
-                                <a:rPr lang="it-IT" b="0" i="1" smtClean="0">
-                                  <a:latin typeface="Cambria Math" panose="02040503050406030204" pitchFamily="18" charset="0"/>
-                                </a:rPr>
-                              </m:ctrlPr>
-                            </m:sSupPr>
-                            <m:e>
-                              <m:r>
-                                <a:rPr lang="it-IT" b="0" i="1" smtClean="0">
-                                  <a:latin typeface="Cambria Math" panose="02040503050406030204" pitchFamily="18" charset="0"/>
-                                </a:rPr>
-                                <m:t>𝑥</m:t>
-                              </m:r>
-                              <m:r>
-                                <a:rPr lang="it-IT" b="0" i="1" smtClean="0">
-                                  <a:latin typeface="Cambria Math" panose="02040503050406030204" pitchFamily="18" charset="0"/>
-                                </a:rPr>
-                                <m:t>)</m:t>
-                              </m:r>
-                            </m:e>
-                            <m:sup/>
-                          </m:sSup>
                           <m:r>
                             <m:rPr>
                               <m:sty m:val="p"/>
                             </m:rPr>
-                            <a:rPr lang="it-IT" b="0" i="0" smtClean="0">
+                            <a:rPr lang="en-US" b="0" i="0" smtClean="0">
                               <a:latin typeface="Cambria Math" panose="02040503050406030204" pitchFamily="18" charset="0"/>
                             </a:rPr>
                             <m:t>log</m:t>
@@ -9967,7 +9572,7 @@
             </p:txBody>
           </p:sp>
         </mc:Choice>
-        <mc:Fallback xmlns="">
+        <mc:Fallback>
           <p:sp>
             <p:nvSpPr>
               <p:cNvPr id="3" name="Content Placeholder 2">
@@ -9988,7 +9593,7 @@
               <a:blipFill>
                 <a:blip r:embed="rId2"/>
                 <a:stretch>
-                  <a:fillRect l="-1206" t="-2616" b="-26163"/>
+                  <a:fillRect l="-1217" t="-2381" b="-2241"/>
                 </a:stretch>
               </a:blipFill>
             </p:spPr>
@@ -10107,11 +9712,11 @@
               <a:buChar char="•"/>
             </a:pPr>
             <a:r>
-              <a:rPr lang="en-US" dirty="0" err="1">
+              <a:rPr lang="en-US">
                 <a:latin typeface="Roboto" panose="02000000000000000000" pitchFamily="2" charset="0"/>
                 <a:ea typeface="Roboto" panose="02000000000000000000" pitchFamily="2" charset="0"/>
               </a:rPr>
-              <a:t>package.json</a:t>
+              <a:t>package. json</a:t>
             </a:r>
             <a:r>
               <a:rPr lang="en-US" dirty="0">
@@ -10156,12 +9761,16 @@
               <a:buChar char="•"/>
             </a:pPr>
             <a:r>
-              <a:rPr lang="en-US" dirty="0">
+              <a:rPr lang="en-US">
                 <a:latin typeface="Roboto" panose="02000000000000000000" pitchFamily="2" charset="0"/>
                 <a:ea typeface="Roboto" panose="02000000000000000000" pitchFamily="2" charset="0"/>
               </a:rPr>
-              <a:t>aggregated file.js</a:t>
-            </a:r>
+              <a:t>aggregated file. js</a:t>
+            </a:r>
+            <a:endParaRPr lang="en-US" dirty="0">
+              <a:latin typeface="Roboto" panose="02000000000000000000" pitchFamily="2" charset="0"/>
+              <a:ea typeface="Roboto" panose="02000000000000000000" pitchFamily="2" charset="0"/>
+            </a:endParaRPr>
           </a:p>
         </p:txBody>
       </p:sp>
@@ -11876,7 +11485,7 @@
             <p:ph idx="1"/>
             <p:extLst>
               <p:ext uri="{D42A27DB-BD31-4B8C-83A1-F6EECF244321}">
-                <p14:modId xmlns:p14="http://schemas.microsoft.com/office/powerpoint/2010/main" val="2840354353"/>
+                <p14:modId xmlns:p14="http://schemas.microsoft.com/office/powerpoint/2010/main" val="1617997194"/>
               </p:ext>
             </p:extLst>
           </p:nvPr>
@@ -12202,7 +11811,7 @@
                           <a:latin typeface="Roboto" panose="02000000000000000000" pitchFamily="2" charset="0"/>
                           <a:ea typeface="Roboto" panose="02000000000000000000" pitchFamily="2" charset="0"/>
                         </a:rPr>
-                        <a:t>Alphabet for </a:t>
+                        <a:t>Alphabet for script key </a:t>
                       </a:r>
                       <a:r>
                         <a:rPr lang="en-US" dirty="0" err="1">
